--- a/Проект.pptx
+++ b/Проект.pptx
@@ -8,9 +8,11 @@
     <p:sldId id="256" r:id="rId2"/>
     <p:sldId id="257" r:id="rId3"/>
     <p:sldId id="258" r:id="rId4"/>
-    <p:sldId id="259" r:id="rId5"/>
-    <p:sldId id="260" r:id="rId6"/>
+    <p:sldId id="260" r:id="rId5"/>
+    <p:sldId id="259" r:id="rId6"/>
     <p:sldId id="261" r:id="rId7"/>
+    <p:sldId id="263" r:id="rId8"/>
+    <p:sldId id="262" r:id="rId9"/>
   </p:sldIdLst>
   <p:sldSz cx="12192000" cy="6858000"/>
   <p:notesSz cx="6858000" cy="9144000"/>
@@ -109,6 +111,11 @@
       </a:defRPr>
     </a:lvl9pPr>
   </p:defaultTextStyle>
+  <p:extLst>
+    <p:ext uri="{EFAFB233-063F-42B5-8137-9DF3F51BA10A}">
+      <p15:sldGuideLst xmlns:p15="http://schemas.microsoft.com/office/powerpoint/2012/main"/>
+    </p:ext>
+  </p:extLst>
 </p:presentation>
 </file>
 
@@ -261,7 +268,7 @@
           <a:p>
             <a:fld id="{EC6EA1C4-5DA3-4B6D-845E-7DAE63B469D2}" type="datetimeFigureOut">
               <a:rPr lang="bg-BG" smtClean="0"/>
-              <a:t>12.12.2022 г.</a:t>
+              <a:t>14.12.2022 г.</a:t>
             </a:fld>
             <a:endParaRPr lang="bg-BG"/>
           </a:p>
@@ -461,7 +468,7 @@
           <a:p>
             <a:fld id="{EC6EA1C4-5DA3-4B6D-845E-7DAE63B469D2}" type="datetimeFigureOut">
               <a:rPr lang="bg-BG" smtClean="0"/>
-              <a:t>12.12.2022 г.</a:t>
+              <a:t>14.12.2022 г.</a:t>
             </a:fld>
             <a:endParaRPr lang="bg-BG"/>
           </a:p>
@@ -671,7 +678,7 @@
           <a:p>
             <a:fld id="{EC6EA1C4-5DA3-4B6D-845E-7DAE63B469D2}" type="datetimeFigureOut">
               <a:rPr lang="bg-BG" smtClean="0"/>
-              <a:t>12.12.2022 г.</a:t>
+              <a:t>14.12.2022 г.</a:t>
             </a:fld>
             <a:endParaRPr lang="bg-BG"/>
           </a:p>
@@ -871,7 +878,7 @@
           <a:p>
             <a:fld id="{EC6EA1C4-5DA3-4B6D-845E-7DAE63B469D2}" type="datetimeFigureOut">
               <a:rPr lang="bg-BG" smtClean="0"/>
-              <a:t>12.12.2022 г.</a:t>
+              <a:t>14.12.2022 г.</a:t>
             </a:fld>
             <a:endParaRPr lang="bg-BG"/>
           </a:p>
@@ -1147,7 +1154,7 @@
           <a:p>
             <a:fld id="{EC6EA1C4-5DA3-4B6D-845E-7DAE63B469D2}" type="datetimeFigureOut">
               <a:rPr lang="bg-BG" smtClean="0"/>
-              <a:t>12.12.2022 г.</a:t>
+              <a:t>14.12.2022 г.</a:t>
             </a:fld>
             <a:endParaRPr lang="bg-BG"/>
           </a:p>
@@ -1415,7 +1422,7 @@
           <a:p>
             <a:fld id="{EC6EA1C4-5DA3-4B6D-845E-7DAE63B469D2}" type="datetimeFigureOut">
               <a:rPr lang="bg-BG" smtClean="0"/>
-              <a:t>12.12.2022 г.</a:t>
+              <a:t>14.12.2022 г.</a:t>
             </a:fld>
             <a:endParaRPr lang="bg-BG"/>
           </a:p>
@@ -1830,7 +1837,7 @@
           <a:p>
             <a:fld id="{EC6EA1C4-5DA3-4B6D-845E-7DAE63B469D2}" type="datetimeFigureOut">
               <a:rPr lang="bg-BG" smtClean="0"/>
-              <a:t>12.12.2022 г.</a:t>
+              <a:t>14.12.2022 г.</a:t>
             </a:fld>
             <a:endParaRPr lang="bg-BG"/>
           </a:p>
@@ -1972,7 +1979,7 @@
           <a:p>
             <a:fld id="{EC6EA1C4-5DA3-4B6D-845E-7DAE63B469D2}" type="datetimeFigureOut">
               <a:rPr lang="bg-BG" smtClean="0"/>
-              <a:t>12.12.2022 г.</a:t>
+              <a:t>14.12.2022 г.</a:t>
             </a:fld>
             <a:endParaRPr lang="bg-BG"/>
           </a:p>
@@ -2085,7 +2092,7 @@
           <a:p>
             <a:fld id="{EC6EA1C4-5DA3-4B6D-845E-7DAE63B469D2}" type="datetimeFigureOut">
               <a:rPr lang="bg-BG" smtClean="0"/>
-              <a:t>12.12.2022 г.</a:t>
+              <a:t>14.12.2022 г.</a:t>
             </a:fld>
             <a:endParaRPr lang="bg-BG"/>
           </a:p>
@@ -2398,7 +2405,7 @@
           <a:p>
             <a:fld id="{EC6EA1C4-5DA3-4B6D-845E-7DAE63B469D2}" type="datetimeFigureOut">
               <a:rPr lang="bg-BG" smtClean="0"/>
-              <a:t>12.12.2022 г.</a:t>
+              <a:t>14.12.2022 г.</a:t>
             </a:fld>
             <a:endParaRPr lang="bg-BG"/>
           </a:p>
@@ -2687,7 +2694,7 @@
           <a:p>
             <a:fld id="{EC6EA1C4-5DA3-4B6D-845E-7DAE63B469D2}" type="datetimeFigureOut">
               <a:rPr lang="bg-BG" smtClean="0"/>
-              <a:t>12.12.2022 г.</a:t>
+              <a:t>14.12.2022 г.</a:t>
             </a:fld>
             <a:endParaRPr lang="bg-BG"/>
           </a:p>
@@ -2930,7 +2937,7 @@
           <a:p>
             <a:fld id="{EC6EA1C4-5DA3-4B6D-845E-7DAE63B469D2}" type="datetimeFigureOut">
               <a:rPr lang="bg-BG" smtClean="0"/>
-              <a:t>12.12.2022 г.</a:t>
+              <a:t>14.12.2022 г.</a:t>
             </a:fld>
             <a:endParaRPr lang="bg-BG"/>
           </a:p>
@@ -3665,7 +3672,7 @@
           <p:cNvPr id="2" name="Title 1">
             <a:extLst>
               <a:ext uri="{FF2B5EF4-FFF2-40B4-BE49-F238E27FC236}">
-                <a16:creationId xmlns:a16="http://schemas.microsoft.com/office/drawing/2014/main" id="{E134DEE2-3772-EE20-2365-216ABE2B3950}"/>
+                <a16:creationId xmlns:a16="http://schemas.microsoft.com/office/drawing/2014/main" id="{AE5E3A0E-4B05-3D74-628A-E7FD0D98AEFD}"/>
               </a:ext>
             </a:extLst>
           </p:cNvPr>
@@ -3683,7 +3690,7 @@
           <a:p>
             <a:r>
               <a:rPr lang="bg-BG" dirty="0"/>
-              <a:t>Избран подход за реализация</a:t>
+              <a:t>Подходи за реализация</a:t>
             </a:r>
           </a:p>
         </p:txBody>
@@ -3693,7 +3700,7 @@
           <p:cNvPr id="3" name="Content Placeholder 2">
             <a:extLst>
               <a:ext uri="{FF2B5EF4-FFF2-40B4-BE49-F238E27FC236}">
-                <a16:creationId xmlns:a16="http://schemas.microsoft.com/office/drawing/2014/main" id="{3AF8F8B0-5330-25EA-01B7-E66C1146A866}"/>
+                <a16:creationId xmlns:a16="http://schemas.microsoft.com/office/drawing/2014/main" id="{9DE2F7C7-2EC6-4176-CE35-5C6B4D772E81}"/>
               </a:ext>
             </a:extLst>
           </p:cNvPr>
@@ -3709,9 +3716,20 @@
           <a:bodyPr/>
           <a:lstStyle/>
           <a:p>
-            <a:pPr marL="0" indent="0">
-              <a:buNone/>
-            </a:pPr>
+            <a:r>
+              <a:rPr lang="en-US" dirty="0"/>
+              <a:t>Elasticsearch </a:t>
+            </a:r>
+          </a:p>
+          <a:p>
+            <a:r>
+              <a:rPr lang="bg-BG" dirty="0"/>
+              <a:t>Алтернативи на </a:t>
+            </a:r>
+            <a:r>
+              <a:rPr lang="en-US" dirty="0"/>
+              <a:t>Elasticsearch</a:t>
+            </a:r>
             <a:endParaRPr lang="bg-BG" dirty="0"/>
           </a:p>
         </p:txBody>
@@ -3719,7 +3737,7 @@
     </p:spTree>
     <p:extLst>
       <p:ext uri="{BB962C8B-B14F-4D97-AF65-F5344CB8AC3E}">
-        <p14:creationId xmlns:p14="http://schemas.microsoft.com/office/powerpoint/2010/main" val="4156867646"/>
+        <p14:creationId xmlns:p14="http://schemas.microsoft.com/office/powerpoint/2010/main" val="1106220740"/>
       </p:ext>
     </p:extLst>
   </p:cSld>
@@ -3751,7 +3769,7 @@
           <p:cNvPr id="2" name="Title 1">
             <a:extLst>
               <a:ext uri="{FF2B5EF4-FFF2-40B4-BE49-F238E27FC236}">
-                <a16:creationId xmlns:a16="http://schemas.microsoft.com/office/drawing/2014/main" id="{AE5E3A0E-4B05-3D74-628A-E7FD0D98AEFD}"/>
+                <a16:creationId xmlns:a16="http://schemas.microsoft.com/office/drawing/2014/main" id="{E134DEE2-3772-EE20-2365-216ABE2B3950}"/>
               </a:ext>
             </a:extLst>
           </p:cNvPr>
@@ -3769,7 +3787,7 @@
           <a:p>
             <a:r>
               <a:rPr lang="bg-BG" dirty="0"/>
-              <a:t>Подходи за реализация</a:t>
+              <a:t>Избран подход за реализация</a:t>
             </a:r>
           </a:p>
         </p:txBody>
@@ -3779,7 +3797,7 @@
           <p:cNvPr id="3" name="Content Placeholder 2">
             <a:extLst>
               <a:ext uri="{FF2B5EF4-FFF2-40B4-BE49-F238E27FC236}">
-                <a16:creationId xmlns:a16="http://schemas.microsoft.com/office/drawing/2014/main" id="{9DE2F7C7-2EC6-4176-CE35-5C6B4D772E81}"/>
+                <a16:creationId xmlns:a16="http://schemas.microsoft.com/office/drawing/2014/main" id="{3AF8F8B0-5330-25EA-01B7-E66C1146A866}"/>
               </a:ext>
             </a:extLst>
           </p:cNvPr>
@@ -3795,14 +3813,36 @@
           <a:bodyPr/>
           <a:lstStyle/>
           <a:p>
-            <a:endParaRPr lang="bg-BG"/>
+            <a:r>
+              <a:rPr lang="en-US" dirty="0"/>
+              <a:t>Python</a:t>
+            </a:r>
+          </a:p>
+          <a:p>
+            <a:r>
+              <a:rPr lang="en-US" dirty="0"/>
+              <a:t>Elasticsearch </a:t>
+            </a:r>
+          </a:p>
+          <a:p>
+            <a:r>
+              <a:rPr lang="en-US" dirty="0"/>
+              <a:t>Scrapy </a:t>
+            </a:r>
+          </a:p>
+          <a:p>
+            <a:r>
+              <a:rPr lang="en-US" dirty="0"/>
+              <a:t>Flask</a:t>
+            </a:r>
+            <a:endParaRPr lang="bg-BG" dirty="0"/>
           </a:p>
         </p:txBody>
       </p:sp>
     </p:spTree>
     <p:extLst>
       <p:ext uri="{BB962C8B-B14F-4D97-AF65-F5344CB8AC3E}">
-        <p14:creationId xmlns:p14="http://schemas.microsoft.com/office/powerpoint/2010/main" val="1106220740"/>
+        <p14:creationId xmlns:p14="http://schemas.microsoft.com/office/powerpoint/2010/main" val="4156867646"/>
       </p:ext>
     </p:extLst>
   </p:cSld>
@@ -3906,22 +3946,9 @@
           <a:bodyPr/>
           <a:lstStyle/>
           <a:p>
-            <a:r>
-              <a:rPr lang="bg-BG" dirty="0"/>
-              <a:t>Създаване на алгоритъм за търсене по различни полета в документа и възможност за комбинирано търсене</a:t>
-            </a:r>
-          </a:p>
-          <a:p>
-            <a:r>
-              <a:rPr lang="bg-BG" dirty="0"/>
-              <a:t>Разширено търсене (какво да не бъде включено)</a:t>
-            </a:r>
-          </a:p>
-          <a:p>
-            <a:r>
-              <a:rPr lang="en-US" dirty="0"/>
-              <a:t>Autocomplete</a:t>
-            </a:r>
+            <a:pPr marL="457200" lvl="1" indent="0">
+              <a:buNone/>
+            </a:pPr>
             <a:endParaRPr lang="bg-BG" dirty="0"/>
           </a:p>
         </p:txBody>
@@ -3975,7 +4002,10 @@
           <a:bodyPr/>
           <a:lstStyle/>
           <a:p>
-            <a:endParaRPr lang="bg-BG"/>
+            <a:pPr marL="457200" lvl="1" indent="0">
+              <a:buNone/>
+            </a:pPr>
+            <a:endParaRPr lang="bg-BG" dirty="0"/>
           </a:p>
         </p:txBody>
       </p:sp>
@@ -3983,6 +4013,234 @@
     <p:extLst>
       <p:ext uri="{BB962C8B-B14F-4D97-AF65-F5344CB8AC3E}">
         <p14:creationId xmlns:p14="http://schemas.microsoft.com/office/powerpoint/2010/main" val="4182678039"/>
+      </p:ext>
+    </p:extLst>
+  </p:cSld>
+  <p:clrMapOvr>
+    <a:masterClrMapping/>
+  </p:clrMapOvr>
+</p:sld>
+</file>
+
+<file path=ppt/slides/slide7.xml><?xml version="1.0" encoding="utf-8"?>
+<p:sld xmlns:a="http://schemas.openxmlformats.org/drawingml/2006/main" xmlns:r="http://schemas.openxmlformats.org/officeDocument/2006/relationships" xmlns:p="http://schemas.openxmlformats.org/presentationml/2006/main">
+  <p:cSld>
+    <p:spTree>
+      <p:nvGrpSpPr>
+        <p:cNvPr id="1" name=""/>
+        <p:cNvGrpSpPr/>
+        <p:nvPr/>
+      </p:nvGrpSpPr>
+      <p:grpSpPr>
+        <a:xfrm>
+          <a:off x="0" y="0"/>
+          <a:ext cx="0" cy="0"/>
+          <a:chOff x="0" y="0"/>
+          <a:chExt cx="0" cy="0"/>
+        </a:xfrm>
+      </p:grpSpPr>
+      <p:sp>
+        <p:nvSpPr>
+          <p:cNvPr id="2" name="Title 1">
+            <a:extLst>
+              <a:ext uri="{FF2B5EF4-FFF2-40B4-BE49-F238E27FC236}">
+                <a16:creationId xmlns:a16="http://schemas.microsoft.com/office/drawing/2014/main" id="{482A3003-439E-737D-E9AE-2A831BE9A319}"/>
+              </a:ext>
+            </a:extLst>
+          </p:cNvPr>
+          <p:cNvSpPr>
+            <a:spLocks noGrp="1"/>
+          </p:cNvSpPr>
+          <p:nvPr>
+            <p:ph type="title"/>
+          </p:nvPr>
+        </p:nvSpPr>
+        <p:spPr/>
+        <p:txBody>
+          <a:bodyPr/>
+          <a:lstStyle/>
+          <a:p>
+            <a:r>
+              <a:rPr lang="bg-BG" dirty="0"/>
+              <a:t>Задачи</a:t>
+            </a:r>
+          </a:p>
+        </p:txBody>
+      </p:sp>
+      <p:sp>
+        <p:nvSpPr>
+          <p:cNvPr id="3" name="Content Placeholder 2">
+            <a:extLst>
+              <a:ext uri="{FF2B5EF4-FFF2-40B4-BE49-F238E27FC236}">
+                <a16:creationId xmlns:a16="http://schemas.microsoft.com/office/drawing/2014/main" id="{7CAF01E1-CA98-AB07-40C8-3441A9EA96B3}"/>
+              </a:ext>
+            </a:extLst>
+          </p:cNvPr>
+          <p:cNvSpPr>
+            <a:spLocks noGrp="1"/>
+          </p:cNvSpPr>
+          <p:nvPr>
+            <p:ph idx="1"/>
+          </p:nvPr>
+        </p:nvSpPr>
+        <p:spPr/>
+        <p:txBody>
+          <a:bodyPr/>
+          <a:lstStyle/>
+          <a:p>
+            <a:r>
+              <a:rPr lang="bg-BG" dirty="0"/>
+              <a:t>Търсене в целият документ </a:t>
+            </a:r>
+            <a:endParaRPr lang="en-US" dirty="0"/>
+          </a:p>
+          <a:p>
+            <a:r>
+              <a:rPr lang="bg-BG" dirty="0"/>
+              <a:t>Разширено търсене</a:t>
+            </a:r>
+          </a:p>
+          <a:p>
+            <a:r>
+              <a:rPr lang="en-US" dirty="0"/>
+              <a:t>EN web </a:t>
+            </a:r>
+            <a:r>
+              <a:rPr lang="en-US" dirty="0" err="1"/>
+              <a:t>crawer</a:t>
+            </a:r>
+            <a:endParaRPr lang="en-US" dirty="0"/>
+          </a:p>
+          <a:p>
+            <a:r>
+              <a:rPr lang="en-US" dirty="0"/>
+              <a:t>BG web </a:t>
+            </a:r>
+            <a:r>
+              <a:rPr lang="en-US" dirty="0" err="1"/>
+              <a:t>crawer</a:t>
+            </a:r>
+            <a:endParaRPr lang="en-US" dirty="0"/>
+          </a:p>
+          <a:p>
+            <a:r>
+              <a:rPr lang="bg-BG" dirty="0"/>
+              <a:t>Търсене в определени полета</a:t>
+            </a:r>
+          </a:p>
+          <a:p>
+            <a:endParaRPr lang="bg-BG" dirty="0"/>
+          </a:p>
+        </p:txBody>
+      </p:sp>
+    </p:spTree>
+    <p:extLst>
+      <p:ext uri="{BB962C8B-B14F-4D97-AF65-F5344CB8AC3E}">
+        <p14:creationId xmlns:p14="http://schemas.microsoft.com/office/powerpoint/2010/main" val="2655479844"/>
+      </p:ext>
+    </p:extLst>
+  </p:cSld>
+  <p:clrMapOvr>
+    <a:masterClrMapping/>
+  </p:clrMapOvr>
+</p:sld>
+</file>
+
+<file path=ppt/slides/slide8.xml><?xml version="1.0" encoding="utf-8"?>
+<p:sld xmlns:a="http://schemas.openxmlformats.org/drawingml/2006/main" xmlns:r="http://schemas.openxmlformats.org/officeDocument/2006/relationships" xmlns:p="http://schemas.openxmlformats.org/presentationml/2006/main">
+  <p:cSld>
+    <p:spTree>
+      <p:nvGrpSpPr>
+        <p:cNvPr id="1" name=""/>
+        <p:cNvGrpSpPr/>
+        <p:nvPr/>
+      </p:nvGrpSpPr>
+      <p:grpSpPr>
+        <a:xfrm>
+          <a:off x="0" y="0"/>
+          <a:ext cx="0" cy="0"/>
+          <a:chOff x="0" y="0"/>
+          <a:chExt cx="0" cy="0"/>
+        </a:xfrm>
+      </p:grpSpPr>
+      <p:sp>
+        <p:nvSpPr>
+          <p:cNvPr id="2" name="Title 1">
+            <a:extLst>
+              <a:ext uri="{FF2B5EF4-FFF2-40B4-BE49-F238E27FC236}">
+                <a16:creationId xmlns:a16="http://schemas.microsoft.com/office/drawing/2014/main" id="{4B5DA54B-0746-ABBF-83AC-E4A59E7573A0}"/>
+              </a:ext>
+            </a:extLst>
+          </p:cNvPr>
+          <p:cNvSpPr>
+            <a:spLocks noGrp="1"/>
+          </p:cNvSpPr>
+          <p:nvPr>
+            <p:ph type="title"/>
+          </p:nvPr>
+        </p:nvSpPr>
+        <p:spPr/>
+        <p:txBody>
+          <a:bodyPr/>
+          <a:lstStyle/>
+          <a:p>
+            <a:r>
+              <a:rPr lang="bg-BG" dirty="0"/>
+              <a:t>Общи задачи</a:t>
+            </a:r>
+          </a:p>
+        </p:txBody>
+      </p:sp>
+      <p:sp>
+        <p:nvSpPr>
+          <p:cNvPr id="3" name="Content Placeholder 2">
+            <a:extLst>
+              <a:ext uri="{FF2B5EF4-FFF2-40B4-BE49-F238E27FC236}">
+                <a16:creationId xmlns:a16="http://schemas.microsoft.com/office/drawing/2014/main" id="{4B639BDE-781B-8B77-22BA-393FD207E93F}"/>
+              </a:ext>
+            </a:extLst>
+          </p:cNvPr>
+          <p:cNvSpPr>
+            <a:spLocks noGrp="1"/>
+          </p:cNvSpPr>
+          <p:nvPr>
+            <p:ph idx="1"/>
+          </p:nvPr>
+        </p:nvSpPr>
+        <p:spPr/>
+        <p:txBody>
+          <a:bodyPr/>
+          <a:lstStyle/>
+          <a:p>
+            <a:r>
+              <a:rPr lang="en-US" dirty="0"/>
+              <a:t>Autocomplete</a:t>
+            </a:r>
+          </a:p>
+          <a:p>
+            <a:r>
+              <a:rPr lang="bg-BG" dirty="0"/>
+              <a:t>Възможност за избор на БГ или чужд филм</a:t>
+            </a:r>
+          </a:p>
+          <a:p>
+            <a:r>
+              <a:rPr lang="bg-BG" dirty="0"/>
+              <a:t>Извеждане на случаен филм по критерии (бонус) – ако са малко задачите</a:t>
+            </a:r>
+          </a:p>
+          <a:p>
+            <a:r>
+              <a:rPr lang="bg-BG" dirty="0"/>
+              <a:t>Уеб базирана търсачка</a:t>
+            </a:r>
+          </a:p>
+        </p:txBody>
+      </p:sp>
+    </p:spTree>
+    <p:extLst>
+      <p:ext uri="{BB962C8B-B14F-4D97-AF65-F5344CB8AC3E}">
+        <p14:creationId xmlns:p14="http://schemas.microsoft.com/office/powerpoint/2010/main" val="2009031457"/>
       </p:ext>
     </p:extLst>
   </p:cSld>

--- a/Проект.pptx
+++ b/Проект.pptx
@@ -5,14 +5,12 @@
     <p:sldMasterId id="2147483648" r:id="rId1"/>
   </p:sldMasterIdLst>
   <p:sldIdLst>
-    <p:sldId id="256" r:id="rId2"/>
-    <p:sldId id="257" r:id="rId3"/>
-    <p:sldId id="258" r:id="rId4"/>
-    <p:sldId id="260" r:id="rId5"/>
-    <p:sldId id="259" r:id="rId6"/>
-    <p:sldId id="261" r:id="rId7"/>
-    <p:sldId id="263" r:id="rId8"/>
-    <p:sldId id="262" r:id="rId9"/>
+    <p:sldId id="257" r:id="rId2"/>
+    <p:sldId id="258" r:id="rId3"/>
+    <p:sldId id="260" r:id="rId4"/>
+    <p:sldId id="259" r:id="rId5"/>
+    <p:sldId id="261" r:id="rId6"/>
+    <p:sldId id="262" r:id="rId7"/>
   </p:sldIdLst>
   <p:sldSz cx="12192000" cy="6858000"/>
   <p:notesSz cx="6858000" cy="9144000"/>
@@ -3359,25 +3357,31 @@
           <p:cNvPr id="2" name="Title 1">
             <a:extLst>
               <a:ext uri="{FF2B5EF4-FFF2-40B4-BE49-F238E27FC236}">
-                <a16:creationId xmlns:a16="http://schemas.microsoft.com/office/drawing/2014/main" id="{89B9DF96-6508-07FE-C2B1-A68BA0588A2B}"/>
-              </a:ext>
-            </a:extLst>
-          </p:cNvPr>
-          <p:cNvSpPr>
-            <a:spLocks noGrp="1"/>
-          </p:cNvSpPr>
-          <p:nvPr>
-            <p:ph type="ctrTitle"/>
-          </p:nvPr>
-        </p:nvSpPr>
-        <p:spPr/>
-        <p:txBody>
-          <a:bodyPr/>
-          <a:lstStyle/>
-          <a:p>
+                <a16:creationId xmlns:a16="http://schemas.microsoft.com/office/drawing/2014/main" id="{AAAF536F-A3DF-316B-D4A1-994410E40E4C}"/>
+              </a:ext>
+            </a:extLst>
+          </p:cNvPr>
+          <p:cNvSpPr>
+            <a:spLocks noGrp="1"/>
+          </p:cNvSpPr>
+          <p:nvPr>
+            <p:ph type="title"/>
+          </p:nvPr>
+        </p:nvSpPr>
+        <p:spPr>
+          <a:xfrm>
+            <a:off x="838200" y="2766218"/>
+            <a:ext cx="10515600" cy="1325563"/>
+          </a:xfrm>
+        </p:spPr>
+        <p:txBody>
+          <a:bodyPr/>
+          <a:lstStyle/>
+          <a:p>
+            <a:pPr algn="ctr"/>
             <a:r>
               <a:rPr lang="bg-BG" dirty="0"/>
-              <a:t>Идея за курсов проект</a:t>
+              <a:t>Търсачка за филми</a:t>
             </a:r>
           </a:p>
         </p:txBody>
@@ -3387,30 +3391,205 @@
           <p:cNvPr id="3" name="Subtitle 2">
             <a:extLst>
               <a:ext uri="{FF2B5EF4-FFF2-40B4-BE49-F238E27FC236}">
-                <a16:creationId xmlns:a16="http://schemas.microsoft.com/office/drawing/2014/main" id="{BAB622AE-D9F2-4CF4-969E-E13DD7F41E4B}"/>
-              </a:ext>
-            </a:extLst>
-          </p:cNvPr>
-          <p:cNvSpPr>
-            <a:spLocks noGrp="1"/>
-          </p:cNvSpPr>
-          <p:nvPr>
-            <p:ph type="subTitle" idx="1"/>
-          </p:nvPr>
-        </p:nvSpPr>
-        <p:spPr/>
-        <p:txBody>
-          <a:bodyPr/>
-          <a:lstStyle/>
-          <a:p>
-            <a:pPr algn="l"/>
+                <a16:creationId xmlns:a16="http://schemas.microsoft.com/office/drawing/2014/main" id="{3FA6327D-BC9A-47DE-43EF-98A0717DB04C}"/>
+              </a:ext>
+            </a:extLst>
+          </p:cNvPr>
+          <p:cNvSpPr txBox="1">
+            <a:spLocks/>
+          </p:cNvSpPr>
+          <p:nvPr/>
+        </p:nvSpPr>
+        <p:spPr>
+          <a:xfrm>
+            <a:off x="421341" y="5780461"/>
+            <a:ext cx="2904565" cy="826527"/>
+          </a:xfrm>
+          <a:prstGeom prst="rect">
+            <a:avLst/>
+          </a:prstGeom>
+        </p:spPr>
+        <p:txBody>
+          <a:bodyPr>
+            <a:normAutofit fontScale="85000" lnSpcReduction="10000"/>
+          </a:bodyPr>
+          <a:lstStyle>
+            <a:lvl1pPr marL="228600" indent="-228600" algn="l" defTabSz="914400" rtl="0" eaLnBrk="1" latinLnBrk="0" hangingPunct="1">
+              <a:lnSpc>
+                <a:spcPct val="90000"/>
+              </a:lnSpc>
+              <a:spcBef>
+                <a:spcPts val="1000"/>
+              </a:spcBef>
+              <a:buFont typeface="Arial" panose="020B0604020202020204" pitchFamily="34" charset="0"/>
+              <a:buChar char="•"/>
+              <a:defRPr sz="2800" kern="1200">
+                <a:solidFill>
+                  <a:schemeClr val="tx1"/>
+                </a:solidFill>
+                <a:latin typeface="+mn-lt"/>
+                <a:ea typeface="+mn-ea"/>
+                <a:cs typeface="+mn-cs"/>
+              </a:defRPr>
+            </a:lvl1pPr>
+            <a:lvl2pPr marL="685800" indent="-228600" algn="l" defTabSz="914400" rtl="0" eaLnBrk="1" latinLnBrk="0" hangingPunct="1">
+              <a:lnSpc>
+                <a:spcPct val="90000"/>
+              </a:lnSpc>
+              <a:spcBef>
+                <a:spcPts val="500"/>
+              </a:spcBef>
+              <a:buFont typeface="Arial" panose="020B0604020202020204" pitchFamily="34" charset="0"/>
+              <a:buChar char="•"/>
+              <a:defRPr sz="2400" kern="1200">
+                <a:solidFill>
+                  <a:schemeClr val="tx1"/>
+                </a:solidFill>
+                <a:latin typeface="+mn-lt"/>
+                <a:ea typeface="+mn-ea"/>
+                <a:cs typeface="+mn-cs"/>
+              </a:defRPr>
+            </a:lvl2pPr>
+            <a:lvl3pPr marL="1143000" indent="-228600" algn="l" defTabSz="914400" rtl="0" eaLnBrk="1" latinLnBrk="0" hangingPunct="1">
+              <a:lnSpc>
+                <a:spcPct val="90000"/>
+              </a:lnSpc>
+              <a:spcBef>
+                <a:spcPts val="500"/>
+              </a:spcBef>
+              <a:buFont typeface="Arial" panose="020B0604020202020204" pitchFamily="34" charset="0"/>
+              <a:buChar char="•"/>
+              <a:defRPr sz="2000" kern="1200">
+                <a:solidFill>
+                  <a:schemeClr val="tx1"/>
+                </a:solidFill>
+                <a:latin typeface="+mn-lt"/>
+                <a:ea typeface="+mn-ea"/>
+                <a:cs typeface="+mn-cs"/>
+              </a:defRPr>
+            </a:lvl3pPr>
+            <a:lvl4pPr marL="1600200" indent="-228600" algn="l" defTabSz="914400" rtl="0" eaLnBrk="1" latinLnBrk="0" hangingPunct="1">
+              <a:lnSpc>
+                <a:spcPct val="90000"/>
+              </a:lnSpc>
+              <a:spcBef>
+                <a:spcPts val="500"/>
+              </a:spcBef>
+              <a:buFont typeface="Arial" panose="020B0604020202020204" pitchFamily="34" charset="0"/>
+              <a:buChar char="•"/>
+              <a:defRPr sz="1800" kern="1200">
+                <a:solidFill>
+                  <a:schemeClr val="tx1"/>
+                </a:solidFill>
+                <a:latin typeface="+mn-lt"/>
+                <a:ea typeface="+mn-ea"/>
+                <a:cs typeface="+mn-cs"/>
+              </a:defRPr>
+            </a:lvl4pPr>
+            <a:lvl5pPr marL="2057400" indent="-228600" algn="l" defTabSz="914400" rtl="0" eaLnBrk="1" latinLnBrk="0" hangingPunct="1">
+              <a:lnSpc>
+                <a:spcPct val="90000"/>
+              </a:lnSpc>
+              <a:spcBef>
+                <a:spcPts val="500"/>
+              </a:spcBef>
+              <a:buFont typeface="Arial" panose="020B0604020202020204" pitchFamily="34" charset="0"/>
+              <a:buChar char="•"/>
+              <a:defRPr sz="1800" kern="1200">
+                <a:solidFill>
+                  <a:schemeClr val="tx1"/>
+                </a:solidFill>
+                <a:latin typeface="+mn-lt"/>
+                <a:ea typeface="+mn-ea"/>
+                <a:cs typeface="+mn-cs"/>
+              </a:defRPr>
+            </a:lvl5pPr>
+            <a:lvl6pPr marL="2514600" indent="-228600" algn="l" defTabSz="914400" rtl="0" eaLnBrk="1" latinLnBrk="0" hangingPunct="1">
+              <a:lnSpc>
+                <a:spcPct val="90000"/>
+              </a:lnSpc>
+              <a:spcBef>
+                <a:spcPts val="500"/>
+              </a:spcBef>
+              <a:buFont typeface="Arial" panose="020B0604020202020204" pitchFamily="34" charset="0"/>
+              <a:buChar char="•"/>
+              <a:defRPr sz="1800" kern="1200">
+                <a:solidFill>
+                  <a:schemeClr val="tx1"/>
+                </a:solidFill>
+                <a:latin typeface="+mn-lt"/>
+                <a:ea typeface="+mn-ea"/>
+                <a:cs typeface="+mn-cs"/>
+              </a:defRPr>
+            </a:lvl6pPr>
+            <a:lvl7pPr marL="2971800" indent="-228600" algn="l" defTabSz="914400" rtl="0" eaLnBrk="1" latinLnBrk="0" hangingPunct="1">
+              <a:lnSpc>
+                <a:spcPct val="90000"/>
+              </a:lnSpc>
+              <a:spcBef>
+                <a:spcPts val="500"/>
+              </a:spcBef>
+              <a:buFont typeface="Arial" panose="020B0604020202020204" pitchFamily="34" charset="0"/>
+              <a:buChar char="•"/>
+              <a:defRPr sz="1800" kern="1200">
+                <a:solidFill>
+                  <a:schemeClr val="tx1"/>
+                </a:solidFill>
+                <a:latin typeface="+mn-lt"/>
+                <a:ea typeface="+mn-ea"/>
+                <a:cs typeface="+mn-cs"/>
+              </a:defRPr>
+            </a:lvl7pPr>
+            <a:lvl8pPr marL="3429000" indent="-228600" algn="l" defTabSz="914400" rtl="0" eaLnBrk="1" latinLnBrk="0" hangingPunct="1">
+              <a:lnSpc>
+                <a:spcPct val="90000"/>
+              </a:lnSpc>
+              <a:spcBef>
+                <a:spcPts val="500"/>
+              </a:spcBef>
+              <a:buFont typeface="Arial" panose="020B0604020202020204" pitchFamily="34" charset="0"/>
+              <a:buChar char="•"/>
+              <a:defRPr sz="1800" kern="1200">
+                <a:solidFill>
+                  <a:schemeClr val="tx1"/>
+                </a:solidFill>
+                <a:latin typeface="+mn-lt"/>
+                <a:ea typeface="+mn-ea"/>
+                <a:cs typeface="+mn-cs"/>
+              </a:defRPr>
+            </a:lvl8pPr>
+            <a:lvl9pPr marL="3886200" indent="-228600" algn="l" defTabSz="914400" rtl="0" eaLnBrk="1" latinLnBrk="0" hangingPunct="1">
+              <a:lnSpc>
+                <a:spcPct val="90000"/>
+              </a:lnSpc>
+              <a:spcBef>
+                <a:spcPts val="500"/>
+              </a:spcBef>
+              <a:buFont typeface="Arial" panose="020B0604020202020204" pitchFamily="34" charset="0"/>
+              <a:buChar char="•"/>
+              <a:defRPr sz="1800" kern="1200">
+                <a:solidFill>
+                  <a:schemeClr val="tx1"/>
+                </a:solidFill>
+                <a:latin typeface="+mn-lt"/>
+                <a:ea typeface="+mn-ea"/>
+                <a:cs typeface="+mn-cs"/>
+              </a:defRPr>
+            </a:lvl9pPr>
+          </a:lstStyle>
+          <a:p>
+            <a:pPr marL="0" indent="0">
+              <a:buNone/>
+            </a:pPr>
             <a:r>
               <a:rPr lang="bg-BG" dirty="0"/>
               <a:t>Иван Иванов – РСМТ</a:t>
             </a:r>
           </a:p>
           <a:p>
-            <a:pPr algn="l"/>
+            <a:pPr marL="0" indent="0">
+              <a:buNone/>
+            </a:pPr>
             <a:r>
               <a:rPr lang="bg-BG" dirty="0"/>
               <a:t>Иван Велев - СТ</a:t>
@@ -3421,7 +3600,7 @@
     </p:spTree>
     <p:extLst>
       <p:ext uri="{BB962C8B-B14F-4D97-AF65-F5344CB8AC3E}">
-        <p14:creationId xmlns:p14="http://schemas.microsoft.com/office/powerpoint/2010/main" val="3591937657"/>
+        <p14:creationId xmlns:p14="http://schemas.microsoft.com/office/powerpoint/2010/main" val="2339806378"/>
       </p:ext>
     </p:extLst>
   </p:cSld>
@@ -3453,7 +3632,7 @@
           <p:cNvPr id="2" name="Title 1">
             <a:extLst>
               <a:ext uri="{FF2B5EF4-FFF2-40B4-BE49-F238E27FC236}">
-                <a16:creationId xmlns:a16="http://schemas.microsoft.com/office/drawing/2014/main" id="{AAAF536F-A3DF-316B-D4A1-994410E40E4C}"/>
+                <a16:creationId xmlns:a16="http://schemas.microsoft.com/office/drawing/2014/main" id="{FBA8D28B-7C2D-917E-7DC5-85E3C3349E4B}"/>
               </a:ext>
             </a:extLst>
           </p:cNvPr>
@@ -3469,10 +3648,66 @@
           <a:bodyPr/>
           <a:lstStyle/>
           <a:p>
-            <a:pPr algn="ctr"/>
             <a:r>
               <a:rPr lang="bg-BG" dirty="0"/>
-              <a:t>Търсачка за филми</a:t>
+              <a:t>Цели</a:t>
+            </a:r>
+          </a:p>
+        </p:txBody>
+      </p:sp>
+      <p:sp>
+        <p:nvSpPr>
+          <p:cNvPr id="3" name="Content Placeholder 2">
+            <a:extLst>
+              <a:ext uri="{FF2B5EF4-FFF2-40B4-BE49-F238E27FC236}">
+                <a16:creationId xmlns:a16="http://schemas.microsoft.com/office/drawing/2014/main" id="{F3FDBA1A-FE48-E202-0249-D71AE9FF9B09}"/>
+              </a:ext>
+            </a:extLst>
+          </p:cNvPr>
+          <p:cNvSpPr>
+            <a:spLocks noGrp="1"/>
+          </p:cNvSpPr>
+          <p:nvPr>
+            <p:ph idx="1"/>
+          </p:nvPr>
+        </p:nvSpPr>
+        <p:spPr/>
+        <p:txBody>
+          <a:bodyPr/>
+          <a:lstStyle/>
+          <a:p>
+            <a:r>
+              <a:rPr lang="bg-BG" dirty="0"/>
+              <a:t>Изграждане на </a:t>
+            </a:r>
+            <a:r>
+              <a:rPr lang="en-US" dirty="0"/>
+              <a:t>web crawlers</a:t>
+            </a:r>
+            <a:r>
+              <a:rPr lang="bg-BG" dirty="0"/>
+              <a:t> за</a:t>
+            </a:r>
+            <a:r>
+              <a:rPr lang="en-US" dirty="0"/>
+              <a:t> </a:t>
+            </a:r>
+            <a:r>
+              <a:rPr lang="bg-BG" dirty="0"/>
+              <a:t>български и чуждестранни филми</a:t>
+            </a:r>
+            <a:endParaRPr lang="en-US" dirty="0"/>
+          </a:p>
+          <a:p>
+            <a:r>
+              <a:rPr lang="bg-BG" dirty="0"/>
+              <a:t>Изграждане на търсачка за филми</a:t>
+            </a:r>
+          </a:p>
+          <a:p>
+            <a:r>
+              <a:rPr lang="bg-BG" dirty="0"/>
+              <a:t>Интегриране на създадената функционалност в уеб базирано приложение</a:t>
             </a:r>
           </a:p>
         </p:txBody>
@@ -3480,7 +3715,7 @@
     </p:spTree>
     <p:extLst>
       <p:ext uri="{BB962C8B-B14F-4D97-AF65-F5344CB8AC3E}">
-        <p14:creationId xmlns:p14="http://schemas.microsoft.com/office/powerpoint/2010/main" val="2339806378"/>
+        <p14:creationId xmlns:p14="http://schemas.microsoft.com/office/powerpoint/2010/main" val="1029301992"/>
       </p:ext>
     </p:extLst>
   </p:cSld>
@@ -3512,7 +3747,7 @@
           <p:cNvPr id="2" name="Title 1">
             <a:extLst>
               <a:ext uri="{FF2B5EF4-FFF2-40B4-BE49-F238E27FC236}">
-                <a16:creationId xmlns:a16="http://schemas.microsoft.com/office/drawing/2014/main" id="{FBA8D28B-7C2D-917E-7DC5-85E3C3349E4B}"/>
+                <a16:creationId xmlns:a16="http://schemas.microsoft.com/office/drawing/2014/main" id="{AE5E3A0E-4B05-3D74-628A-E7FD0D98AEFD}"/>
               </a:ext>
             </a:extLst>
           </p:cNvPr>
@@ -3530,7 +3765,7 @@
           <a:p>
             <a:r>
               <a:rPr lang="bg-BG" dirty="0"/>
-              <a:t>Цели</a:t>
+              <a:t>Подходи за реализация</a:t>
             </a:r>
           </a:p>
         </p:txBody>
@@ -3540,7 +3775,7 @@
           <p:cNvPr id="3" name="Content Placeholder 2">
             <a:extLst>
               <a:ext uri="{FF2B5EF4-FFF2-40B4-BE49-F238E27FC236}">
-                <a16:creationId xmlns:a16="http://schemas.microsoft.com/office/drawing/2014/main" id="{F3FDBA1A-FE48-E202-0249-D71AE9FF9B09}"/>
+                <a16:creationId xmlns:a16="http://schemas.microsoft.com/office/drawing/2014/main" id="{9DE2F7C7-2EC6-4176-CE35-5C6B4D772E81}"/>
               </a:ext>
             </a:extLst>
           </p:cNvPr>
@@ -3557,90 +3792,39 @@
           <a:lstStyle/>
           <a:p>
             <a:r>
-              <a:rPr lang="bg-BG" dirty="0"/>
-              <a:t>Изграждане на </a:t>
-            </a:r>
-            <a:r>
               <a:rPr lang="en-US" dirty="0"/>
-              <a:t>web </a:t>
-            </a:r>
-            <a:r>
-              <a:rPr lang="en-US" dirty="0" err="1"/>
-              <a:t>crawer</a:t>
-            </a:r>
-            <a:r>
-              <a:rPr lang="en-US" dirty="0"/>
-              <a:t> </a:t>
-            </a:r>
-            <a:r>
-              <a:rPr lang="bg-BG" dirty="0"/>
-              <a:t>за </a:t>
-            </a:r>
-            <a:r>
-              <a:rPr lang="en-US" dirty="0"/>
-              <a:t>IMDB</a:t>
-            </a:r>
-          </a:p>
-          <a:p>
-            <a:r>
-              <a:rPr lang="bg-BG" dirty="0"/>
-              <a:t>Изграждане на търсачка за филми по зададени критерии</a:t>
-            </a:r>
-          </a:p>
-          <a:p>
-            <a:pPr lvl="1"/>
-            <a:r>
-              <a:rPr lang="bg-BG" dirty="0"/>
-              <a:t>Заглавие</a:t>
-            </a:r>
-          </a:p>
-          <a:p>
-            <a:pPr lvl="1"/>
-            <a:r>
-              <a:rPr lang="bg-BG" dirty="0"/>
-              <a:t>Ключови думи</a:t>
-            </a:r>
-          </a:p>
-          <a:p>
-            <a:pPr lvl="1"/>
-            <a:r>
-              <a:rPr lang="bg-BG" dirty="0"/>
-              <a:t>Фрази и реплики</a:t>
-            </a:r>
-          </a:p>
-          <a:p>
-            <a:pPr lvl="1"/>
-            <a:r>
-              <a:rPr lang="bg-BG" dirty="0"/>
-              <a:t>Актьори</a:t>
-            </a:r>
-          </a:p>
-          <a:p>
-            <a:pPr lvl="1"/>
-            <a:r>
-              <a:rPr lang="bg-BG" dirty="0"/>
-              <a:t>Жанр</a:t>
-            </a:r>
-          </a:p>
-          <a:p>
-            <a:pPr lvl="1"/>
-            <a:r>
-              <a:rPr lang="bg-BG" dirty="0"/>
-              <a:t>….</a:t>
-            </a:r>
-          </a:p>
-          <a:p>
-            <a:r>
-              <a:rPr lang="bg-BG" dirty="0"/>
-              <a:t>Създаване на уеб базирано приложение за търсене и визуализация на </a:t>
-            </a:r>
+              <a:t>Elasticsearch </a:t>
+            </a:r>
+          </a:p>
+          <a:p>
+            <a:r>
+              <a:rPr lang="bg-BG" dirty="0">
+                <a:solidFill>
+                  <a:srgbClr val="FF0000"/>
+                </a:solidFill>
+              </a:rPr>
+              <a:t>Алтернативи на </a:t>
+            </a:r>
+            <a:r>
+              <a:rPr lang="en-US" dirty="0">
+                <a:solidFill>
+                  <a:srgbClr val="FF0000"/>
+                </a:solidFill>
+              </a:rPr>
+              <a:t>Elasticsearch</a:t>
+            </a:r>
+            <a:endParaRPr lang="bg-BG" dirty="0">
+              <a:solidFill>
+                <a:srgbClr val="FF0000"/>
+              </a:solidFill>
+            </a:endParaRPr>
           </a:p>
         </p:txBody>
       </p:sp>
     </p:spTree>
     <p:extLst>
       <p:ext uri="{BB962C8B-B14F-4D97-AF65-F5344CB8AC3E}">
-        <p14:creationId xmlns:p14="http://schemas.microsoft.com/office/powerpoint/2010/main" val="1029301992"/>
+        <p14:creationId xmlns:p14="http://schemas.microsoft.com/office/powerpoint/2010/main" val="1106220740"/>
       </p:ext>
     </p:extLst>
   </p:cSld>
@@ -3672,7 +3856,7 @@
           <p:cNvPr id="2" name="Title 1">
             <a:extLst>
               <a:ext uri="{FF2B5EF4-FFF2-40B4-BE49-F238E27FC236}">
-                <a16:creationId xmlns:a16="http://schemas.microsoft.com/office/drawing/2014/main" id="{AE5E3A0E-4B05-3D74-628A-E7FD0D98AEFD}"/>
+                <a16:creationId xmlns:a16="http://schemas.microsoft.com/office/drawing/2014/main" id="{E134DEE2-3772-EE20-2365-216ABE2B3950}"/>
               </a:ext>
             </a:extLst>
           </p:cNvPr>
@@ -3690,7 +3874,7 @@
           <a:p>
             <a:r>
               <a:rPr lang="bg-BG" dirty="0"/>
-              <a:t>Подходи за реализация</a:t>
+              <a:t>Избран подход за реализация</a:t>
             </a:r>
           </a:p>
         </p:txBody>
@@ -3700,7 +3884,7 @@
           <p:cNvPr id="3" name="Content Placeholder 2">
             <a:extLst>
               <a:ext uri="{FF2B5EF4-FFF2-40B4-BE49-F238E27FC236}">
-                <a16:creationId xmlns:a16="http://schemas.microsoft.com/office/drawing/2014/main" id="{9DE2F7C7-2EC6-4176-CE35-5C6B4D772E81}"/>
+                <a16:creationId xmlns:a16="http://schemas.microsoft.com/office/drawing/2014/main" id="{3AF8F8B0-5330-25EA-01B7-E66C1146A866}"/>
               </a:ext>
             </a:extLst>
           </p:cNvPr>
@@ -3715,6 +3899,12 @@
         <p:txBody>
           <a:bodyPr/>
           <a:lstStyle/>
+          <a:p>
+            <a:r>
+              <a:rPr lang="en-US" dirty="0"/>
+              <a:t>Python</a:t>
+            </a:r>
+          </a:p>
           <a:p>
             <a:r>
               <a:rPr lang="en-US" dirty="0"/>
@@ -3723,12 +3913,14 @@
           </a:p>
           <a:p>
             <a:r>
-              <a:rPr lang="bg-BG" dirty="0"/>
-              <a:t>Алтернативи на </a:t>
-            </a:r>
-            <a:r>
               <a:rPr lang="en-US" dirty="0"/>
-              <a:t>Elasticsearch</a:t>
+              <a:t>Scrapy</a:t>
+            </a:r>
+          </a:p>
+          <a:p>
+            <a:r>
+              <a:rPr lang="en-US" dirty="0"/>
+              <a:t>Flask</a:t>
             </a:r>
             <a:endParaRPr lang="bg-BG" dirty="0"/>
           </a:p>
@@ -3737,7 +3929,7 @@
     </p:spTree>
     <p:extLst>
       <p:ext uri="{BB962C8B-B14F-4D97-AF65-F5344CB8AC3E}">
-        <p14:creationId xmlns:p14="http://schemas.microsoft.com/office/powerpoint/2010/main" val="1106220740"/>
+        <p14:creationId xmlns:p14="http://schemas.microsoft.com/office/powerpoint/2010/main" val="4156867646"/>
       </p:ext>
     </p:extLst>
   </p:cSld>
@@ -3769,7 +3961,7 @@
           <p:cNvPr id="2" name="Title 1">
             <a:extLst>
               <a:ext uri="{FF2B5EF4-FFF2-40B4-BE49-F238E27FC236}">
-                <a16:creationId xmlns:a16="http://schemas.microsoft.com/office/drawing/2014/main" id="{E134DEE2-3772-EE20-2365-216ABE2B3950}"/>
+                <a16:creationId xmlns:a16="http://schemas.microsoft.com/office/drawing/2014/main" id="{6400ED60-2434-0012-9B53-2181815847E4}"/>
               </a:ext>
             </a:extLst>
           </p:cNvPr>
@@ -3787,25 +3979,53 @@
           <a:p>
             <a:r>
               <a:rPr lang="bg-BG" dirty="0"/>
-              <a:t>Избран подход за реализация</a:t>
-            </a:r>
-          </a:p>
-        </p:txBody>
-      </p:sp>
-      <p:sp>
-        <p:nvSpPr>
-          <p:cNvPr id="3" name="Content Placeholder 2">
-            <a:extLst>
-              <a:ext uri="{FF2B5EF4-FFF2-40B4-BE49-F238E27FC236}">
-                <a16:creationId xmlns:a16="http://schemas.microsoft.com/office/drawing/2014/main" id="{3AF8F8B0-5330-25EA-01B7-E66C1146A866}"/>
-              </a:ext>
-            </a:extLst>
-          </p:cNvPr>
-          <p:cNvSpPr>
-            <a:spLocks noGrp="1"/>
-          </p:cNvSpPr>
-          <p:nvPr>
-            <p:ph idx="1"/>
+              <a:t>Разпределени задачи</a:t>
+            </a:r>
+          </a:p>
+        </p:txBody>
+      </p:sp>
+      <p:sp>
+        <p:nvSpPr>
+          <p:cNvPr id="3" name="Text Placeholder 2">
+            <a:extLst>
+              <a:ext uri="{FF2B5EF4-FFF2-40B4-BE49-F238E27FC236}">
+                <a16:creationId xmlns:a16="http://schemas.microsoft.com/office/drawing/2014/main" id="{9CE914E2-691E-E307-24E0-232D716289FF}"/>
+              </a:ext>
+            </a:extLst>
+          </p:cNvPr>
+          <p:cNvSpPr>
+            <a:spLocks noGrp="1"/>
+          </p:cNvSpPr>
+          <p:nvPr>
+            <p:ph type="body" idx="1"/>
+          </p:nvPr>
+        </p:nvSpPr>
+        <p:spPr/>
+        <p:txBody>
+          <a:bodyPr/>
+          <a:lstStyle/>
+          <a:p>
+            <a:r>
+              <a:rPr lang="bg-BG" dirty="0"/>
+              <a:t>Иван Иванов</a:t>
+            </a:r>
+          </a:p>
+        </p:txBody>
+      </p:sp>
+      <p:sp>
+        <p:nvSpPr>
+          <p:cNvPr id="4" name="Content Placeholder 3">
+            <a:extLst>
+              <a:ext uri="{FF2B5EF4-FFF2-40B4-BE49-F238E27FC236}">
+                <a16:creationId xmlns:a16="http://schemas.microsoft.com/office/drawing/2014/main" id="{4DDC9817-0DD8-4E5B-EEC3-B501EDE9473E}"/>
+              </a:ext>
+            </a:extLst>
+          </p:cNvPr>
+          <p:cNvSpPr>
+            <a:spLocks noGrp="1"/>
+          </p:cNvSpPr>
+          <p:nvPr>
+            <p:ph sz="half" idx="2"/>
           </p:nvPr>
         </p:nvSpPr>
         <p:spPr/>
@@ -3815,26 +4035,105 @@
           <a:p>
             <a:r>
               <a:rPr lang="en-US" dirty="0"/>
-              <a:t>Python</a:t>
-            </a:r>
-          </a:p>
+              <a:t>web crawler</a:t>
+            </a:r>
+            <a:r>
+              <a:rPr lang="bg-BG" dirty="0"/>
+              <a:t> за чуждестранни филми</a:t>
+            </a:r>
+          </a:p>
+          <a:p>
+            <a:r>
+              <a:rPr lang="bg-BG" dirty="0"/>
+              <a:t>Търсачка за чуждестранни филми</a:t>
+            </a:r>
+            <a:endParaRPr lang="en-US" dirty="0"/>
+          </a:p>
+          <a:p>
+            <a:r>
+              <a:rPr lang="bg-BG" dirty="0"/>
+              <a:t>Разширено търсене</a:t>
+            </a:r>
+          </a:p>
+        </p:txBody>
+      </p:sp>
+      <p:sp>
+        <p:nvSpPr>
+          <p:cNvPr id="5" name="Text Placeholder 4">
+            <a:extLst>
+              <a:ext uri="{FF2B5EF4-FFF2-40B4-BE49-F238E27FC236}">
+                <a16:creationId xmlns:a16="http://schemas.microsoft.com/office/drawing/2014/main" id="{75AC804F-F04D-BA9D-10BA-9EBA6A171E6C}"/>
+              </a:ext>
+            </a:extLst>
+          </p:cNvPr>
+          <p:cNvSpPr>
+            <a:spLocks noGrp="1"/>
+          </p:cNvSpPr>
+          <p:nvPr>
+            <p:ph type="body" sz="quarter" idx="3"/>
+          </p:nvPr>
+        </p:nvSpPr>
+        <p:spPr/>
+        <p:txBody>
+          <a:bodyPr/>
+          <a:lstStyle/>
+          <a:p>
+            <a:r>
+              <a:rPr lang="bg-BG" dirty="0"/>
+              <a:t>Иван Велев</a:t>
+            </a:r>
+          </a:p>
+        </p:txBody>
+      </p:sp>
+      <p:sp>
+        <p:nvSpPr>
+          <p:cNvPr id="6" name="Content Placeholder 5">
+            <a:extLst>
+              <a:ext uri="{FF2B5EF4-FFF2-40B4-BE49-F238E27FC236}">
+                <a16:creationId xmlns:a16="http://schemas.microsoft.com/office/drawing/2014/main" id="{8BEF296D-60D6-9342-73F1-FB887602B663}"/>
+              </a:ext>
+            </a:extLst>
+          </p:cNvPr>
+          <p:cNvSpPr>
+            <a:spLocks noGrp="1"/>
+          </p:cNvSpPr>
+          <p:nvPr>
+            <p:ph sz="quarter" idx="4"/>
+          </p:nvPr>
+        </p:nvSpPr>
+        <p:spPr/>
+        <p:txBody>
+          <a:bodyPr/>
+          <a:lstStyle/>
           <a:p>
             <a:r>
               <a:rPr lang="en-US" dirty="0"/>
-              <a:t>Elasticsearch </a:t>
-            </a:r>
-          </a:p>
-          <a:p>
-            <a:r>
-              <a:rPr lang="en-US" dirty="0"/>
-              <a:t>Scrapy </a:t>
-            </a:r>
-          </a:p>
-          <a:p>
-            <a:r>
-              <a:rPr lang="en-US" dirty="0"/>
-              <a:t>Flask</a:t>
-            </a:r>
+              <a:t>web crawler</a:t>
+            </a:r>
+            <a:r>
+              <a:rPr lang="bg-BG" dirty="0"/>
+              <a:t> за български филми</a:t>
+            </a:r>
+          </a:p>
+          <a:p>
+            <a:r>
+              <a:rPr lang="bg-BG"/>
+              <a:t>Търсачка за български филми</a:t>
+            </a:r>
+            <a:endParaRPr lang="bg-BG" dirty="0"/>
+          </a:p>
+          <a:p>
+            <a:r>
+              <a:rPr lang="bg-BG" dirty="0"/>
+              <a:t>Търсене по определени части от документа</a:t>
+            </a:r>
+          </a:p>
+          <a:p>
+            <a:pPr lvl="1"/>
+            <a:endParaRPr lang="en-US" b="1" dirty="0"/>
+          </a:p>
+          <a:p>
+            <a:pPr lvl="1"/>
             <a:endParaRPr lang="bg-BG" dirty="0"/>
           </a:p>
         </p:txBody>
@@ -3842,7 +4141,7 @@
     </p:spTree>
     <p:extLst>
       <p:ext uri="{BB962C8B-B14F-4D97-AF65-F5344CB8AC3E}">
-        <p14:creationId xmlns:p14="http://schemas.microsoft.com/office/powerpoint/2010/main" val="4156867646"/>
+        <p14:creationId xmlns:p14="http://schemas.microsoft.com/office/powerpoint/2010/main" val="4182678039"/>
       </p:ext>
     </p:extLst>
   </p:cSld>
@@ -3874,300 +4173,6 @@
           <p:cNvPr id="2" name="Title 1">
             <a:extLst>
               <a:ext uri="{FF2B5EF4-FFF2-40B4-BE49-F238E27FC236}">
-                <a16:creationId xmlns:a16="http://schemas.microsoft.com/office/drawing/2014/main" id="{6400ED60-2434-0012-9B53-2181815847E4}"/>
-              </a:ext>
-            </a:extLst>
-          </p:cNvPr>
-          <p:cNvSpPr>
-            <a:spLocks noGrp="1"/>
-          </p:cNvSpPr>
-          <p:nvPr>
-            <p:ph type="title"/>
-          </p:nvPr>
-        </p:nvSpPr>
-        <p:spPr/>
-        <p:txBody>
-          <a:bodyPr/>
-          <a:lstStyle/>
-          <a:p>
-            <a:r>
-              <a:rPr lang="bg-BG" dirty="0"/>
-              <a:t>Участници</a:t>
-            </a:r>
-          </a:p>
-        </p:txBody>
-      </p:sp>
-      <p:sp>
-        <p:nvSpPr>
-          <p:cNvPr id="3" name="Text Placeholder 2">
-            <a:extLst>
-              <a:ext uri="{FF2B5EF4-FFF2-40B4-BE49-F238E27FC236}">
-                <a16:creationId xmlns:a16="http://schemas.microsoft.com/office/drawing/2014/main" id="{9CE914E2-691E-E307-24E0-232D716289FF}"/>
-              </a:ext>
-            </a:extLst>
-          </p:cNvPr>
-          <p:cNvSpPr>
-            <a:spLocks noGrp="1"/>
-          </p:cNvSpPr>
-          <p:nvPr>
-            <p:ph type="body" idx="1"/>
-          </p:nvPr>
-        </p:nvSpPr>
-        <p:spPr/>
-        <p:txBody>
-          <a:bodyPr/>
-          <a:lstStyle/>
-          <a:p>
-            <a:r>
-              <a:rPr lang="bg-BG" dirty="0"/>
-              <a:t>Иван Иванов</a:t>
-            </a:r>
-          </a:p>
-        </p:txBody>
-      </p:sp>
-      <p:sp>
-        <p:nvSpPr>
-          <p:cNvPr id="4" name="Content Placeholder 3">
-            <a:extLst>
-              <a:ext uri="{FF2B5EF4-FFF2-40B4-BE49-F238E27FC236}">
-                <a16:creationId xmlns:a16="http://schemas.microsoft.com/office/drawing/2014/main" id="{4DDC9817-0DD8-4E5B-EEC3-B501EDE9473E}"/>
-              </a:ext>
-            </a:extLst>
-          </p:cNvPr>
-          <p:cNvSpPr>
-            <a:spLocks noGrp="1"/>
-          </p:cNvSpPr>
-          <p:nvPr>
-            <p:ph sz="half" idx="2"/>
-          </p:nvPr>
-        </p:nvSpPr>
-        <p:spPr/>
-        <p:txBody>
-          <a:bodyPr/>
-          <a:lstStyle/>
-          <a:p>
-            <a:pPr marL="457200" lvl="1" indent="0">
-              <a:buNone/>
-            </a:pPr>
-            <a:endParaRPr lang="bg-BG" dirty="0"/>
-          </a:p>
-        </p:txBody>
-      </p:sp>
-      <p:sp>
-        <p:nvSpPr>
-          <p:cNvPr id="5" name="Text Placeholder 4">
-            <a:extLst>
-              <a:ext uri="{FF2B5EF4-FFF2-40B4-BE49-F238E27FC236}">
-                <a16:creationId xmlns:a16="http://schemas.microsoft.com/office/drawing/2014/main" id="{75AC804F-F04D-BA9D-10BA-9EBA6A171E6C}"/>
-              </a:ext>
-            </a:extLst>
-          </p:cNvPr>
-          <p:cNvSpPr>
-            <a:spLocks noGrp="1"/>
-          </p:cNvSpPr>
-          <p:nvPr>
-            <p:ph type="body" sz="quarter" idx="3"/>
-          </p:nvPr>
-        </p:nvSpPr>
-        <p:spPr/>
-        <p:txBody>
-          <a:bodyPr/>
-          <a:lstStyle/>
-          <a:p>
-            <a:r>
-              <a:rPr lang="bg-BG" dirty="0"/>
-              <a:t>Иван Велев</a:t>
-            </a:r>
-          </a:p>
-        </p:txBody>
-      </p:sp>
-      <p:sp>
-        <p:nvSpPr>
-          <p:cNvPr id="6" name="Content Placeholder 5">
-            <a:extLst>
-              <a:ext uri="{FF2B5EF4-FFF2-40B4-BE49-F238E27FC236}">
-                <a16:creationId xmlns:a16="http://schemas.microsoft.com/office/drawing/2014/main" id="{8BEF296D-60D6-9342-73F1-FB887602B663}"/>
-              </a:ext>
-            </a:extLst>
-          </p:cNvPr>
-          <p:cNvSpPr>
-            <a:spLocks noGrp="1"/>
-          </p:cNvSpPr>
-          <p:nvPr>
-            <p:ph sz="quarter" idx="4"/>
-          </p:nvPr>
-        </p:nvSpPr>
-        <p:spPr/>
-        <p:txBody>
-          <a:bodyPr/>
-          <a:lstStyle/>
-          <a:p>
-            <a:pPr marL="457200" lvl="1" indent="0">
-              <a:buNone/>
-            </a:pPr>
-            <a:endParaRPr lang="bg-BG" dirty="0"/>
-          </a:p>
-        </p:txBody>
-      </p:sp>
-    </p:spTree>
-    <p:extLst>
-      <p:ext uri="{BB962C8B-B14F-4D97-AF65-F5344CB8AC3E}">
-        <p14:creationId xmlns:p14="http://schemas.microsoft.com/office/powerpoint/2010/main" val="4182678039"/>
-      </p:ext>
-    </p:extLst>
-  </p:cSld>
-  <p:clrMapOvr>
-    <a:masterClrMapping/>
-  </p:clrMapOvr>
-</p:sld>
-</file>
-
-<file path=ppt/slides/slide7.xml><?xml version="1.0" encoding="utf-8"?>
-<p:sld xmlns:a="http://schemas.openxmlformats.org/drawingml/2006/main" xmlns:r="http://schemas.openxmlformats.org/officeDocument/2006/relationships" xmlns:p="http://schemas.openxmlformats.org/presentationml/2006/main">
-  <p:cSld>
-    <p:spTree>
-      <p:nvGrpSpPr>
-        <p:cNvPr id="1" name=""/>
-        <p:cNvGrpSpPr/>
-        <p:nvPr/>
-      </p:nvGrpSpPr>
-      <p:grpSpPr>
-        <a:xfrm>
-          <a:off x="0" y="0"/>
-          <a:ext cx="0" cy="0"/>
-          <a:chOff x="0" y="0"/>
-          <a:chExt cx="0" cy="0"/>
-        </a:xfrm>
-      </p:grpSpPr>
-      <p:sp>
-        <p:nvSpPr>
-          <p:cNvPr id="2" name="Title 1">
-            <a:extLst>
-              <a:ext uri="{FF2B5EF4-FFF2-40B4-BE49-F238E27FC236}">
-                <a16:creationId xmlns:a16="http://schemas.microsoft.com/office/drawing/2014/main" id="{482A3003-439E-737D-E9AE-2A831BE9A319}"/>
-              </a:ext>
-            </a:extLst>
-          </p:cNvPr>
-          <p:cNvSpPr>
-            <a:spLocks noGrp="1"/>
-          </p:cNvSpPr>
-          <p:nvPr>
-            <p:ph type="title"/>
-          </p:nvPr>
-        </p:nvSpPr>
-        <p:spPr/>
-        <p:txBody>
-          <a:bodyPr/>
-          <a:lstStyle/>
-          <a:p>
-            <a:r>
-              <a:rPr lang="bg-BG" dirty="0"/>
-              <a:t>Задачи</a:t>
-            </a:r>
-          </a:p>
-        </p:txBody>
-      </p:sp>
-      <p:sp>
-        <p:nvSpPr>
-          <p:cNvPr id="3" name="Content Placeholder 2">
-            <a:extLst>
-              <a:ext uri="{FF2B5EF4-FFF2-40B4-BE49-F238E27FC236}">
-                <a16:creationId xmlns:a16="http://schemas.microsoft.com/office/drawing/2014/main" id="{7CAF01E1-CA98-AB07-40C8-3441A9EA96B3}"/>
-              </a:ext>
-            </a:extLst>
-          </p:cNvPr>
-          <p:cNvSpPr>
-            <a:spLocks noGrp="1"/>
-          </p:cNvSpPr>
-          <p:nvPr>
-            <p:ph idx="1"/>
-          </p:nvPr>
-        </p:nvSpPr>
-        <p:spPr/>
-        <p:txBody>
-          <a:bodyPr/>
-          <a:lstStyle/>
-          <a:p>
-            <a:r>
-              <a:rPr lang="bg-BG" dirty="0"/>
-              <a:t>Търсене в целият документ </a:t>
-            </a:r>
-            <a:endParaRPr lang="en-US" dirty="0"/>
-          </a:p>
-          <a:p>
-            <a:r>
-              <a:rPr lang="bg-BG" dirty="0"/>
-              <a:t>Разширено търсене</a:t>
-            </a:r>
-          </a:p>
-          <a:p>
-            <a:r>
-              <a:rPr lang="en-US" dirty="0"/>
-              <a:t>EN web </a:t>
-            </a:r>
-            <a:r>
-              <a:rPr lang="en-US" dirty="0" err="1"/>
-              <a:t>crawer</a:t>
-            </a:r>
-            <a:endParaRPr lang="en-US" dirty="0"/>
-          </a:p>
-          <a:p>
-            <a:r>
-              <a:rPr lang="en-US" dirty="0"/>
-              <a:t>BG web </a:t>
-            </a:r>
-            <a:r>
-              <a:rPr lang="en-US" dirty="0" err="1"/>
-              <a:t>crawer</a:t>
-            </a:r>
-            <a:endParaRPr lang="en-US" dirty="0"/>
-          </a:p>
-          <a:p>
-            <a:r>
-              <a:rPr lang="bg-BG" dirty="0"/>
-              <a:t>Търсене в определени полета</a:t>
-            </a:r>
-          </a:p>
-          <a:p>
-            <a:endParaRPr lang="bg-BG" dirty="0"/>
-          </a:p>
-        </p:txBody>
-      </p:sp>
-    </p:spTree>
-    <p:extLst>
-      <p:ext uri="{BB962C8B-B14F-4D97-AF65-F5344CB8AC3E}">
-        <p14:creationId xmlns:p14="http://schemas.microsoft.com/office/powerpoint/2010/main" val="2655479844"/>
-      </p:ext>
-    </p:extLst>
-  </p:cSld>
-  <p:clrMapOvr>
-    <a:masterClrMapping/>
-  </p:clrMapOvr>
-</p:sld>
-</file>
-
-<file path=ppt/slides/slide8.xml><?xml version="1.0" encoding="utf-8"?>
-<p:sld xmlns:a="http://schemas.openxmlformats.org/drawingml/2006/main" xmlns:r="http://schemas.openxmlformats.org/officeDocument/2006/relationships" xmlns:p="http://schemas.openxmlformats.org/presentationml/2006/main">
-  <p:cSld>
-    <p:spTree>
-      <p:nvGrpSpPr>
-        <p:cNvPr id="1" name=""/>
-        <p:cNvGrpSpPr/>
-        <p:nvPr/>
-      </p:nvGrpSpPr>
-      <p:grpSpPr>
-        <a:xfrm>
-          <a:off x="0" y="0"/>
-          <a:ext cx="0" cy="0"/>
-          <a:chOff x="0" y="0"/>
-          <a:chExt cx="0" cy="0"/>
-        </a:xfrm>
-      </p:grpSpPr>
-      <p:sp>
-        <p:nvSpPr>
-          <p:cNvPr id="2" name="Title 1">
-            <a:extLst>
-              <a:ext uri="{FF2B5EF4-FFF2-40B4-BE49-F238E27FC236}">
                 <a16:creationId xmlns:a16="http://schemas.microsoft.com/office/drawing/2014/main" id="{4B5DA54B-0746-ABBF-83AC-E4A59E7573A0}"/>
               </a:ext>
             </a:extLst>
@@ -4219,13 +4224,11 @@
           </a:p>
           <a:p>
             <a:r>
-              <a:rPr lang="bg-BG" dirty="0"/>
-              <a:t>Възможност за избор на БГ или чужд филм</a:t>
-            </a:r>
-          </a:p>
-          <a:p>
-            <a:r>
-              <a:rPr lang="bg-BG" dirty="0"/>
+              <a:rPr lang="bg-BG" dirty="0">
+                <a:solidFill>
+                  <a:srgbClr val="FF0000"/>
+                </a:solidFill>
+              </a:rPr>
               <a:t>Извеждане на случаен филм по критерии (бонус) – ако са малко задачите</a:t>
             </a:r>
           </a:p>
